--- a/3_JS.pptx
+++ b/3_JS.pptx
@@ -219,7 +219,7 @@
           <a:p>
             <a:fld id="{B5D7434C-48CE-114A-AD66-A0A76C8863DC}" type="datetimeFigureOut">
               <a:rPr lang="en-US" smtClean="0"/>
-              <a:t>1/7/22</a:t>
+              <a:t>1/9/22</a:t>
             </a:fld>
             <a:endParaRPr lang="en-US"/>
           </a:p>
@@ -1354,7 +1354,7 @@
             <a:fld id="{87DE6118-2437-4B30-8E3C-4D2BE6020583}" type="datetimeFigureOut">
               <a:rPr lang="en-US" dirty="0"/>
               <a:pPr/>
-              <a:t>1/7/22</a:t>
+              <a:t>1/9/22</a:t>
             </a:fld>
             <a:endParaRPr lang="en-US" dirty="0"/>
           </a:p>
@@ -1680,7 +1680,7 @@
           <a:p>
             <a:fld id="{87DE6118-2437-4B30-8E3C-4D2BE6020583}" type="datetimeFigureOut">
               <a:rPr lang="en-US" dirty="0"/>
-              <a:t>1/7/22</a:t>
+              <a:t>1/9/22</a:t>
             </a:fld>
             <a:endParaRPr lang="en-US" dirty="0"/>
           </a:p>
@@ -1855,7 +1855,7 @@
           <a:p>
             <a:fld id="{87DE6118-2437-4B30-8E3C-4D2BE6020583}" type="datetimeFigureOut">
               <a:rPr lang="en-US" dirty="0"/>
-              <a:t>1/7/22</a:t>
+              <a:t>1/9/22</a:t>
             </a:fld>
             <a:endParaRPr lang="en-US" dirty="0"/>
           </a:p>
@@ -2091,7 +2091,7 @@
           <a:p>
             <a:fld id="{1D8BD707-D9CF-40AE-B4C6-C98DA3205C09}" type="datetimeFigureOut">
               <a:rPr lang="en-US"/>
-              <a:t>1/7/22</a:t>
+              <a:t>1/9/22</a:t>
             </a:fld>
             <a:endParaRPr lang="en-US"/>
           </a:p>
@@ -2297,7 +2297,7 @@
           <a:p>
             <a:fld id="{87DE6118-2437-4B30-8E3C-4D2BE6020583}" type="datetimeFigureOut">
               <a:rPr lang="en-US" dirty="0"/>
-              <a:t>1/7/22</a:t>
+              <a:t>1/9/22</a:t>
             </a:fld>
             <a:endParaRPr lang="en-US" dirty="0"/>
           </a:p>
@@ -2580,7 +2580,7 @@
             <a:fld id="{87DE6118-2437-4B30-8E3C-4D2BE6020583}" type="datetimeFigureOut">
               <a:rPr lang="en-US" dirty="0"/>
               <a:pPr/>
-              <a:t>1/7/22</a:t>
+              <a:t>1/9/22</a:t>
             </a:fld>
             <a:endParaRPr lang="en-US" dirty="0"/>
           </a:p>
@@ -2970,7 +2970,7 @@
           <a:p>
             <a:fld id="{87DE6118-2437-4B30-8E3C-4D2BE6020583}" type="datetimeFigureOut">
               <a:rPr lang="en-US" dirty="0"/>
-              <a:t>1/7/22</a:t>
+              <a:t>1/9/22</a:t>
             </a:fld>
             <a:endParaRPr lang="en-US" dirty="0"/>
           </a:p>
@@ -3442,7 +3442,7 @@
           <a:p>
             <a:fld id="{87DE6118-2437-4B30-8E3C-4D2BE6020583}" type="datetimeFigureOut">
               <a:rPr lang="en-US" dirty="0"/>
-              <a:t>1/7/22</a:t>
+              <a:t>1/9/22</a:t>
             </a:fld>
             <a:endParaRPr lang="en-US" dirty="0"/>
           </a:p>
@@ -3555,7 +3555,7 @@
           <a:p>
             <a:fld id="{87DE6118-2437-4B30-8E3C-4D2BE6020583}" type="datetimeFigureOut">
               <a:rPr lang="en-US" dirty="0"/>
-              <a:t>1/7/22</a:t>
+              <a:t>1/9/22</a:t>
             </a:fld>
             <a:endParaRPr lang="en-US" dirty="0"/>
           </a:p>
@@ -3645,7 +3645,7 @@
           <a:p>
             <a:fld id="{87DE6118-2437-4B30-8E3C-4D2BE6020583}" type="datetimeFigureOut">
               <a:rPr lang="en-US" dirty="0"/>
-              <a:t>1/7/22</a:t>
+              <a:t>1/9/22</a:t>
             </a:fld>
             <a:endParaRPr lang="en-US" dirty="0"/>
           </a:p>
@@ -3987,7 +3987,7 @@
             <a:fld id="{87DE6118-2437-4B30-8E3C-4D2BE6020583}" type="datetimeFigureOut">
               <a:rPr lang="en-US" dirty="0"/>
               <a:pPr/>
-              <a:t>1/7/22</a:t>
+              <a:t>1/9/22</a:t>
             </a:fld>
             <a:endParaRPr lang="en-US" dirty="0"/>
           </a:p>
@@ -4372,7 +4372,7 @@
             <a:fld id="{87DE6118-2437-4B30-8E3C-4D2BE6020583}" type="datetimeFigureOut">
               <a:rPr lang="en-US" dirty="0"/>
               <a:pPr/>
-              <a:t>1/7/22</a:t>
+              <a:t>1/9/22</a:t>
             </a:fld>
             <a:endParaRPr lang="en-US" dirty="0"/>
           </a:p>
@@ -4647,7 +4647,7 @@
             <a:fld id="{87DE6118-2437-4B30-8E3C-4D2BE6020583}" type="datetimeFigureOut">
               <a:rPr lang="en-US" dirty="0"/>
               <a:pPr/>
-              <a:t>1/7/22</a:t>
+              <a:t>1/9/22</a:t>
             </a:fld>
             <a:endParaRPr lang="en-US" dirty="0"/>
           </a:p>
@@ -14158,7 +14158,7 @@
         <p:spPr>
           <a:xfrm>
             <a:off x="2048351" y="4420905"/>
-            <a:ext cx="5429970" cy="1674176"/>
+            <a:ext cx="5429970" cy="2009012"/>
           </a:xfrm>
           <a:prstGeom prst="rect">
             <a:avLst/>
@@ -14216,7 +14216,7 @@
               </a:rPr>
               <a:t> doClick()</a:t>
             </a:r>
-            <a:endParaRPr sz="2176">
+            <a:endParaRPr sz="2176" dirty="0">
               <a:latin typeface="Courier New"/>
               <a:cs typeface="Courier New"/>
             </a:endParaRPr>
@@ -14230,7 +14230,7 @@
               </a:rPr>
               <a:t>{</a:t>
             </a:r>
-            <a:endParaRPr sz="2176">
+            <a:endParaRPr sz="2176" dirty="0">
               <a:latin typeface="Courier New"/>
               <a:cs typeface="Courier New"/>
             </a:endParaRPr>
@@ -14244,7 +14244,7 @@
               </a:rPr>
               <a:t>alert(document.f.t.value);</a:t>
             </a:r>
-            <a:endParaRPr sz="2176">
+            <a:endParaRPr sz="2176" dirty="0">
               <a:latin typeface="Courier New"/>
               <a:cs typeface="Courier New"/>
             </a:endParaRPr>
@@ -14258,7 +14258,21 @@
               </a:rPr>
               <a:t>}</a:t>
             </a:r>
-            <a:endParaRPr sz="2176">
+            <a:endParaRPr lang="en-US" sz="2176" b="1" dirty="0">
+              <a:latin typeface="Courier New"/>
+              <a:cs typeface="Courier New"/>
+            </a:endParaRPr>
+          </a:p>
+          <a:p>
+            <a:pPr marL="82342"/>
+            <a:r>
+              <a:rPr lang="en-US" sz="2176" b="1" dirty="0">
+                <a:latin typeface="Courier New"/>
+                <a:cs typeface="Courier New"/>
+              </a:rPr>
+              <a:t>&lt;/script&gt;</a:t>
+            </a:r>
+            <a:endParaRPr sz="2176" dirty="0">
               <a:latin typeface="Courier New"/>
               <a:cs typeface="Courier New"/>
             </a:endParaRPr>

--- a/3_JS.pptx
+++ b/3_JS.pptx
@@ -5,7 +5,7 @@
     <p:sldMasterId id="2147483648" r:id="rId1"/>
   </p:sldMasterIdLst>
   <p:notesMasterIdLst>
-    <p:notesMasterId r:id="rId25"/>
+    <p:notesMasterId r:id="rId26"/>
   </p:notesMasterIdLst>
   <p:sldIdLst>
     <p:sldId id="256" r:id="rId2"/>
@@ -31,6 +31,7 @@
     <p:sldId id="344" r:id="rId22"/>
     <p:sldId id="345" r:id="rId23"/>
     <p:sldId id="346" r:id="rId24"/>
+    <p:sldId id="347" r:id="rId25"/>
   </p:sldIdLst>
   <p:sldSz cx="12192000" cy="6858000"/>
   <p:notesSz cx="6858000" cy="9144000"/>
@@ -219,7 +220,7 @@
           <a:p>
             <a:fld id="{B5D7434C-48CE-114A-AD66-A0A76C8863DC}" type="datetimeFigureOut">
               <a:rPr lang="en-US" smtClean="0"/>
-              <a:t>1/9/22</a:t>
+              <a:t>1/26/22</a:t>
             </a:fld>
             <a:endParaRPr lang="en-US"/>
           </a:p>
@@ -1354,7 +1355,7 @@
             <a:fld id="{87DE6118-2437-4B30-8E3C-4D2BE6020583}" type="datetimeFigureOut">
               <a:rPr lang="en-US" dirty="0"/>
               <a:pPr/>
-              <a:t>1/9/22</a:t>
+              <a:t>1/26/22</a:t>
             </a:fld>
             <a:endParaRPr lang="en-US" dirty="0"/>
           </a:p>
@@ -1680,7 +1681,7 @@
           <a:p>
             <a:fld id="{87DE6118-2437-4B30-8E3C-4D2BE6020583}" type="datetimeFigureOut">
               <a:rPr lang="en-US" dirty="0"/>
-              <a:t>1/9/22</a:t>
+              <a:t>1/26/22</a:t>
             </a:fld>
             <a:endParaRPr lang="en-US" dirty="0"/>
           </a:p>
@@ -1855,7 +1856,7 @@
           <a:p>
             <a:fld id="{87DE6118-2437-4B30-8E3C-4D2BE6020583}" type="datetimeFigureOut">
               <a:rPr lang="en-US" dirty="0"/>
-              <a:t>1/9/22</a:t>
+              <a:t>1/26/22</a:t>
             </a:fld>
             <a:endParaRPr lang="en-US" dirty="0"/>
           </a:p>
@@ -2091,7 +2092,7 @@
           <a:p>
             <a:fld id="{1D8BD707-D9CF-40AE-B4C6-C98DA3205C09}" type="datetimeFigureOut">
               <a:rPr lang="en-US"/>
-              <a:t>1/9/22</a:t>
+              <a:t>1/26/22</a:t>
             </a:fld>
             <a:endParaRPr lang="en-US"/>
           </a:p>
@@ -2297,7 +2298,7 @@
           <a:p>
             <a:fld id="{87DE6118-2437-4B30-8E3C-4D2BE6020583}" type="datetimeFigureOut">
               <a:rPr lang="en-US" dirty="0"/>
-              <a:t>1/9/22</a:t>
+              <a:t>1/26/22</a:t>
             </a:fld>
             <a:endParaRPr lang="en-US" dirty="0"/>
           </a:p>
@@ -2580,7 +2581,7 @@
             <a:fld id="{87DE6118-2437-4B30-8E3C-4D2BE6020583}" type="datetimeFigureOut">
               <a:rPr lang="en-US" dirty="0"/>
               <a:pPr/>
-              <a:t>1/9/22</a:t>
+              <a:t>1/26/22</a:t>
             </a:fld>
             <a:endParaRPr lang="en-US" dirty="0"/>
           </a:p>
@@ -2970,7 +2971,7 @@
           <a:p>
             <a:fld id="{87DE6118-2437-4B30-8E3C-4D2BE6020583}" type="datetimeFigureOut">
               <a:rPr lang="en-US" dirty="0"/>
-              <a:t>1/9/22</a:t>
+              <a:t>1/26/22</a:t>
             </a:fld>
             <a:endParaRPr lang="en-US" dirty="0"/>
           </a:p>
@@ -3442,7 +3443,7 @@
           <a:p>
             <a:fld id="{87DE6118-2437-4B30-8E3C-4D2BE6020583}" type="datetimeFigureOut">
               <a:rPr lang="en-US" dirty="0"/>
-              <a:t>1/9/22</a:t>
+              <a:t>1/26/22</a:t>
             </a:fld>
             <a:endParaRPr lang="en-US" dirty="0"/>
           </a:p>
@@ -3555,7 +3556,7 @@
           <a:p>
             <a:fld id="{87DE6118-2437-4B30-8E3C-4D2BE6020583}" type="datetimeFigureOut">
               <a:rPr lang="en-US" dirty="0"/>
-              <a:t>1/9/22</a:t>
+              <a:t>1/26/22</a:t>
             </a:fld>
             <a:endParaRPr lang="en-US" dirty="0"/>
           </a:p>
@@ -3645,7 +3646,7 @@
           <a:p>
             <a:fld id="{87DE6118-2437-4B30-8E3C-4D2BE6020583}" type="datetimeFigureOut">
               <a:rPr lang="en-US" dirty="0"/>
-              <a:t>1/9/22</a:t>
+              <a:t>1/26/22</a:t>
             </a:fld>
             <a:endParaRPr lang="en-US" dirty="0"/>
           </a:p>
@@ -3987,7 +3988,7 @@
             <a:fld id="{87DE6118-2437-4B30-8E3C-4D2BE6020583}" type="datetimeFigureOut">
               <a:rPr lang="en-US" dirty="0"/>
               <a:pPr/>
-              <a:t>1/9/22</a:t>
+              <a:t>1/26/22</a:t>
             </a:fld>
             <a:endParaRPr lang="en-US" dirty="0"/>
           </a:p>
@@ -4372,7 +4373,7 @@
             <a:fld id="{87DE6118-2437-4B30-8E3C-4D2BE6020583}" type="datetimeFigureOut">
               <a:rPr lang="en-US" dirty="0"/>
               <a:pPr/>
-              <a:t>1/9/22</a:t>
+              <a:t>1/26/22</a:t>
             </a:fld>
             <a:endParaRPr lang="en-US" dirty="0"/>
           </a:p>
@@ -4647,7 +4648,7 @@
             <a:fld id="{87DE6118-2437-4B30-8E3C-4D2BE6020583}" type="datetimeFigureOut">
               <a:rPr lang="en-US" dirty="0"/>
               <a:pPr/>
-              <a:t>1/9/22</a:t>
+              <a:t>1/26/22</a:t>
             </a:fld>
             <a:endParaRPr lang="en-US" dirty="0"/>
           </a:p>
@@ -12525,10 +12526,244 @@
           </a:prstGeom>
         </p:spPr>
       </p:pic>
+      <p:sp>
+        <p:nvSpPr>
+          <p:cNvPr id="6" name="TextBox 5">
+            <a:extLst>
+              <a:ext uri="{FF2B5EF4-FFF2-40B4-BE49-F238E27FC236}">
+                <a16:creationId xmlns:a16="http://schemas.microsoft.com/office/drawing/2014/main" id="{9E6682D1-108C-824F-A7DC-157DCAA9BD59}"/>
+              </a:ext>
+            </a:extLst>
+          </p:cNvPr>
+          <p:cNvSpPr txBox="1"/>
+          <p:nvPr/>
+        </p:nvSpPr>
+        <p:spPr>
+          <a:xfrm>
+            <a:off x="1371598" y="5064204"/>
+            <a:ext cx="8007929" cy="1107996"/>
+          </a:xfrm>
+          <a:prstGeom prst="rect">
+            <a:avLst/>
+          </a:prstGeom>
+          <a:noFill/>
+        </p:spPr>
+        <p:txBody>
+          <a:bodyPr wrap="square" rtlCol="0">
+            <a:spAutoFit/>
+          </a:bodyPr>
+          <a:lstStyle/>
+          <a:p>
+            <a:r>
+              <a:rPr lang="en-US" sz="2200" b="1" dirty="0">
+                <a:solidFill>
+                  <a:srgbClr val="FF0000"/>
+                </a:solidFill>
+                <a:latin typeface="Calibri" panose="020F0502020204030204" pitchFamily="34" charset="0"/>
+                <a:cs typeface="Calibri" panose="020F0502020204030204" pitchFamily="34" charset="0"/>
+              </a:rPr>
+              <a:t>When you are done, please remember to upload your .html file to: </a:t>
+            </a:r>
+          </a:p>
+          <a:p>
+            <a:r>
+              <a:rPr lang="en-US" sz="2200" b="1" u="sng" dirty="0" err="1">
+                <a:solidFill>
+                  <a:srgbClr val="FF0000"/>
+                </a:solidFill>
+                <a:latin typeface="Calibri" panose="020F0502020204030204" pitchFamily="34" charset="0"/>
+                <a:cs typeface="Calibri" panose="020F0502020204030204" pitchFamily="34" charset="0"/>
+              </a:rPr>
+              <a:t>tinyurl.com</a:t>
+            </a:r>
+            <a:r>
+              <a:rPr lang="en-US" sz="2200" b="1" u="sng" dirty="0">
+                <a:solidFill>
+                  <a:srgbClr val="FF0000"/>
+                </a:solidFill>
+                <a:latin typeface="Calibri" panose="020F0502020204030204" pitchFamily="34" charset="0"/>
+                <a:cs typeface="Calibri" panose="020F0502020204030204" pitchFamily="34" charset="0"/>
+              </a:rPr>
+              <a:t>/</a:t>
+            </a:r>
+            <a:r>
+              <a:rPr lang="en-US" sz="2200" b="1" u="sng" dirty="0" err="1">
+                <a:solidFill>
+                  <a:srgbClr val="FF0000"/>
+                </a:solidFill>
+                <a:latin typeface="Calibri" panose="020F0502020204030204" pitchFamily="34" charset="0"/>
+                <a:cs typeface="Calibri" panose="020F0502020204030204" pitchFamily="34" charset="0"/>
+              </a:rPr>
+              <a:t>nanwpwbu</a:t>
+            </a:r>
+            <a:endParaRPr lang="en-US" sz="2200" b="1" u="sng" dirty="0">
+              <a:solidFill>
+                <a:srgbClr val="FF0000"/>
+              </a:solidFill>
+              <a:latin typeface="Calibri" panose="020F0502020204030204" pitchFamily="34" charset="0"/>
+              <a:cs typeface="Calibri" panose="020F0502020204030204" pitchFamily="34" charset="0"/>
+            </a:endParaRPr>
+          </a:p>
+          <a:p>
+            <a:endParaRPr lang="en-US" sz="2200" b="1" dirty="0">
+              <a:solidFill>
+                <a:srgbClr val="FF0000"/>
+              </a:solidFill>
+              <a:latin typeface="Calibri" panose="020F0502020204030204" pitchFamily="34" charset="0"/>
+              <a:cs typeface="Calibri" panose="020F0502020204030204" pitchFamily="34" charset="0"/>
+            </a:endParaRPr>
+          </a:p>
+        </p:txBody>
+      </p:sp>
     </p:spTree>
     <p:extLst>
       <p:ext uri="{BB962C8B-B14F-4D97-AF65-F5344CB8AC3E}">
         <p14:creationId xmlns:p14="http://schemas.microsoft.com/office/powerpoint/2010/main" val="866361845"/>
+      </p:ext>
+    </p:extLst>
+  </p:cSld>
+  <p:clrMapOvr>
+    <a:masterClrMapping/>
+  </p:clrMapOvr>
+</p:sld>
+</file>
+
+<file path=ppt/slides/slide24.xml><?xml version="1.0" encoding="utf-8"?>
+<p:sld xmlns:a="http://schemas.openxmlformats.org/drawingml/2006/main" xmlns:r="http://schemas.openxmlformats.org/officeDocument/2006/relationships" xmlns:p="http://schemas.openxmlformats.org/presentationml/2006/main">
+  <p:cSld>
+    <p:spTree>
+      <p:nvGrpSpPr>
+        <p:cNvPr id="1" name=""/>
+        <p:cNvGrpSpPr/>
+        <p:nvPr/>
+      </p:nvGrpSpPr>
+      <p:grpSpPr>
+        <a:xfrm>
+          <a:off x="0" y="0"/>
+          <a:ext cx="0" cy="0"/>
+          <a:chOff x="0" y="0"/>
+          <a:chExt cx="0" cy="0"/>
+        </a:xfrm>
+      </p:grpSpPr>
+      <p:sp>
+        <p:nvSpPr>
+          <p:cNvPr id="2" name="Title 1">
+            <a:extLst>
+              <a:ext uri="{FF2B5EF4-FFF2-40B4-BE49-F238E27FC236}">
+                <a16:creationId xmlns:a16="http://schemas.microsoft.com/office/drawing/2014/main" id="{536AA7B9-E885-2542-9D2C-E5855FB66565}"/>
+              </a:ext>
+            </a:extLst>
+          </p:cNvPr>
+          <p:cNvSpPr>
+            <a:spLocks noGrp="1"/>
+          </p:cNvSpPr>
+          <p:nvPr>
+            <p:ph type="title"/>
+          </p:nvPr>
+        </p:nvSpPr>
+        <p:spPr/>
+        <p:txBody>
+          <a:bodyPr/>
+          <a:lstStyle/>
+          <a:p>
+            <a:endParaRPr lang="en-US"/>
+          </a:p>
+        </p:txBody>
+      </p:sp>
+      <p:sp>
+        <p:nvSpPr>
+          <p:cNvPr id="3" name="Content Placeholder 2">
+            <a:extLst>
+              <a:ext uri="{FF2B5EF4-FFF2-40B4-BE49-F238E27FC236}">
+                <a16:creationId xmlns:a16="http://schemas.microsoft.com/office/drawing/2014/main" id="{3CF3C35F-3648-A74E-B425-7324A652C4AC}"/>
+              </a:ext>
+            </a:extLst>
+          </p:cNvPr>
+          <p:cNvSpPr>
+            <a:spLocks noGrp="1"/>
+          </p:cNvSpPr>
+          <p:nvPr>
+            <p:ph idx="1"/>
+          </p:nvPr>
+        </p:nvSpPr>
+        <p:spPr/>
+        <p:txBody>
+          <a:bodyPr/>
+          <a:lstStyle/>
+          <a:p>
+            <a:endParaRPr lang="en-US"/>
+          </a:p>
+        </p:txBody>
+      </p:sp>
+      <p:sp>
+        <p:nvSpPr>
+          <p:cNvPr id="4" name="Rectangle 3">
+            <a:extLst>
+              <a:ext uri="{FF2B5EF4-FFF2-40B4-BE49-F238E27FC236}">
+                <a16:creationId xmlns:a16="http://schemas.microsoft.com/office/drawing/2014/main" id="{1BE10423-DB46-2944-A832-D4B1BD6F496D}"/>
+              </a:ext>
+            </a:extLst>
+          </p:cNvPr>
+          <p:cNvSpPr/>
+          <p:nvPr/>
+        </p:nvSpPr>
+        <p:spPr>
+          <a:xfrm>
+            <a:off x="1887006" y="2551837"/>
+            <a:ext cx="8418010" cy="1754326"/>
+          </a:xfrm>
+          <a:prstGeom prst="rect">
+            <a:avLst/>
+          </a:prstGeom>
+          <a:noFill/>
+        </p:spPr>
+        <p:txBody>
+          <a:bodyPr wrap="none" lIns="91440" tIns="45720" rIns="91440" bIns="45720">
+            <a:spAutoFit/>
+          </a:bodyPr>
+          <a:lstStyle/>
+          <a:p>
+            <a:pPr algn="ctr"/>
+            <a:r>
+              <a:rPr lang="en-US" sz="5400" b="1" cap="none" spc="0" dirty="0">
+                <a:ln w="22225">
+                  <a:solidFill>
+                    <a:schemeClr val="accent2"/>
+                  </a:solidFill>
+                  <a:prstDash val="solid"/>
+                </a:ln>
+                <a:solidFill>
+                  <a:srgbClr val="FFC000"/>
+                </a:solidFill>
+                <a:effectLst/>
+              </a:rPr>
+              <a:t>&lt;Happy coding, everyone!/&gt;</a:t>
+            </a:r>
+          </a:p>
+          <a:p>
+            <a:pPr algn="ctr"/>
+            <a:r>
+              <a:rPr lang="en-US" sz="5400" b="1" cap="none" spc="0" dirty="0">
+                <a:ln w="22225">
+                  <a:solidFill>
+                    <a:schemeClr val="accent2"/>
+                  </a:solidFill>
+                  <a:prstDash val="solid"/>
+                </a:ln>
+                <a:solidFill>
+                  <a:srgbClr val="FFC000"/>
+                </a:solidFill>
+                <a:effectLst/>
+              </a:rPr>
+              <a:t>&lt;Thank you!/&gt;</a:t>
+            </a:r>
+          </a:p>
+        </p:txBody>
+      </p:sp>
+    </p:spTree>
+    <p:extLst>
+      <p:ext uri="{BB962C8B-B14F-4D97-AF65-F5344CB8AC3E}">
+        <p14:creationId xmlns:p14="http://schemas.microsoft.com/office/powerpoint/2010/main" val="3594126887"/>
       </p:ext>
     </p:extLst>
   </p:cSld>

--- a/3_JS.pptx
+++ b/3_JS.pptx
@@ -220,7 +220,7 @@
           <a:p>
             <a:fld id="{B5D7434C-48CE-114A-AD66-A0A76C8863DC}" type="datetimeFigureOut">
               <a:rPr lang="en-US" smtClean="0"/>
-              <a:t>1/26/22</a:t>
+              <a:t>1/27/22</a:t>
             </a:fld>
             <a:endParaRPr lang="en-US"/>
           </a:p>
@@ -1355,7 +1355,7 @@
             <a:fld id="{87DE6118-2437-4B30-8E3C-4D2BE6020583}" type="datetimeFigureOut">
               <a:rPr lang="en-US" dirty="0"/>
               <a:pPr/>
-              <a:t>1/26/22</a:t>
+              <a:t>1/27/22</a:t>
             </a:fld>
             <a:endParaRPr lang="en-US" dirty="0"/>
           </a:p>
@@ -1681,7 +1681,7 @@
           <a:p>
             <a:fld id="{87DE6118-2437-4B30-8E3C-4D2BE6020583}" type="datetimeFigureOut">
               <a:rPr lang="en-US" dirty="0"/>
-              <a:t>1/26/22</a:t>
+              <a:t>1/27/22</a:t>
             </a:fld>
             <a:endParaRPr lang="en-US" dirty="0"/>
           </a:p>
@@ -1856,7 +1856,7 @@
           <a:p>
             <a:fld id="{87DE6118-2437-4B30-8E3C-4D2BE6020583}" type="datetimeFigureOut">
               <a:rPr lang="en-US" dirty="0"/>
-              <a:t>1/26/22</a:t>
+              <a:t>1/27/22</a:t>
             </a:fld>
             <a:endParaRPr lang="en-US" dirty="0"/>
           </a:p>
@@ -2092,7 +2092,7 @@
           <a:p>
             <a:fld id="{1D8BD707-D9CF-40AE-B4C6-C98DA3205C09}" type="datetimeFigureOut">
               <a:rPr lang="en-US"/>
-              <a:t>1/26/22</a:t>
+              <a:t>1/27/22</a:t>
             </a:fld>
             <a:endParaRPr lang="en-US"/>
           </a:p>
@@ -2298,7 +2298,7 @@
           <a:p>
             <a:fld id="{87DE6118-2437-4B30-8E3C-4D2BE6020583}" type="datetimeFigureOut">
               <a:rPr lang="en-US" dirty="0"/>
-              <a:t>1/26/22</a:t>
+              <a:t>1/27/22</a:t>
             </a:fld>
             <a:endParaRPr lang="en-US" dirty="0"/>
           </a:p>
@@ -2581,7 +2581,7 @@
             <a:fld id="{87DE6118-2437-4B30-8E3C-4D2BE6020583}" type="datetimeFigureOut">
               <a:rPr lang="en-US" dirty="0"/>
               <a:pPr/>
-              <a:t>1/26/22</a:t>
+              <a:t>1/27/22</a:t>
             </a:fld>
             <a:endParaRPr lang="en-US" dirty="0"/>
           </a:p>
@@ -2971,7 +2971,7 @@
           <a:p>
             <a:fld id="{87DE6118-2437-4B30-8E3C-4D2BE6020583}" type="datetimeFigureOut">
               <a:rPr lang="en-US" dirty="0"/>
-              <a:t>1/26/22</a:t>
+              <a:t>1/27/22</a:t>
             </a:fld>
             <a:endParaRPr lang="en-US" dirty="0"/>
           </a:p>
@@ -3443,7 +3443,7 @@
           <a:p>
             <a:fld id="{87DE6118-2437-4B30-8E3C-4D2BE6020583}" type="datetimeFigureOut">
               <a:rPr lang="en-US" dirty="0"/>
-              <a:t>1/26/22</a:t>
+              <a:t>1/27/22</a:t>
             </a:fld>
             <a:endParaRPr lang="en-US" dirty="0"/>
           </a:p>
@@ -3556,7 +3556,7 @@
           <a:p>
             <a:fld id="{87DE6118-2437-4B30-8E3C-4D2BE6020583}" type="datetimeFigureOut">
               <a:rPr lang="en-US" dirty="0"/>
-              <a:t>1/26/22</a:t>
+              <a:t>1/27/22</a:t>
             </a:fld>
             <a:endParaRPr lang="en-US" dirty="0"/>
           </a:p>
@@ -3646,7 +3646,7 @@
           <a:p>
             <a:fld id="{87DE6118-2437-4B30-8E3C-4D2BE6020583}" type="datetimeFigureOut">
               <a:rPr lang="en-US" dirty="0"/>
-              <a:t>1/26/22</a:t>
+              <a:t>1/27/22</a:t>
             </a:fld>
             <a:endParaRPr lang="en-US" dirty="0"/>
           </a:p>
@@ -3988,7 +3988,7 @@
             <a:fld id="{87DE6118-2437-4B30-8E3C-4D2BE6020583}" type="datetimeFigureOut">
               <a:rPr lang="en-US" dirty="0"/>
               <a:pPr/>
-              <a:t>1/26/22</a:t>
+              <a:t>1/27/22</a:t>
             </a:fld>
             <a:endParaRPr lang="en-US" dirty="0"/>
           </a:p>
@@ -4373,7 +4373,7 @@
             <a:fld id="{87DE6118-2437-4B30-8E3C-4D2BE6020583}" type="datetimeFigureOut">
               <a:rPr lang="en-US" dirty="0"/>
               <a:pPr/>
-              <a:t>1/26/22</a:t>
+              <a:t>1/27/22</a:t>
             </a:fld>
             <a:endParaRPr lang="en-US" dirty="0"/>
           </a:p>
@@ -4648,7 +4648,7 @@
             <a:fld id="{87DE6118-2437-4B30-8E3C-4D2BE6020583}" type="datetimeFigureOut">
               <a:rPr lang="en-US" dirty="0"/>
               <a:pPr/>
-              <a:t>1/26/22</a:t>
+              <a:t>1/27/22</a:t>
             </a:fld>
             <a:endParaRPr lang="en-US" dirty="0"/>
           </a:p>
@@ -14024,7 +14024,7 @@
         <p:spPr>
           <a:xfrm>
             <a:off x="2436218" y="1851799"/>
-            <a:ext cx="7138424" cy="2198615"/>
+            <a:ext cx="7138424" cy="2603341"/>
           </a:xfrm>
           <a:prstGeom prst="rect">
             <a:avLst/>
@@ -14154,6 +14154,13 @@
                 <a:cs typeface="Arial"/>
               </a:rPr>
               <a:t>&lt;head&gt;</a:t>
+            </a:r>
+            <a:r>
+              <a:rPr lang="en-US" sz="2630" spc="-5" dirty="0">
+                <a:latin typeface="Arial"/>
+                <a:cs typeface="Arial"/>
+              </a:rPr>
+              <a:t> and/or &lt;body&gt;</a:t>
             </a:r>
             <a:r>
               <a:rPr sz="2630" spc="-18" dirty="0">
